--- a/27_németország_nagyhatalommá_válása.pptx
+++ b/27_németország_nagyhatalommá_válása.pptx
@@ -6367,8 +6367,13 @@
           <a:p>
             <a:r>
               <a:rPr lang="hu-HU" dirty="0"/>
-              <a:t>Habsburgok: laza német egység ("nagy német egység").</a:t>
-            </a:r>
+              <a:t>Habsburgok: laza német egység ("nagy német </a:t>
+            </a:r>
+            <a:r>
+              <a:rPr lang="hu-HU"/>
+              <a:t>egység"). </a:t>
+            </a:r>
+            <a:endParaRPr lang="hu-HU" dirty="0"/>
           </a:p>
           <a:p>
             <a:r>
@@ -6844,15 +6849,7 @@
           <a:effectLst>
             <a:reflection blurRad="12700" stA="38000" endPos="28000" dist="5000" dir="5400000" sy="-100000" algn="bl" rotWithShape="0"/>
           </a:effectLst>
-          <a:extLst>
-            <a:ext uri="{909E8E84-426E-40DD-AFC4-6F175D3DCCD1}">
-              <a14:hiddenFill xmlns:a14="http://schemas.microsoft.com/office/drawing/2010/main">
-                <a:solidFill>
-                  <a:srgbClr val="FFFFFF"/>
-                </a:solidFill>
-              </a14:hiddenFill>
-            </a:ext>
-          </a:extLst>
+          <a:extLst/>
         </p:spPr>
       </p:pic>
       <p:sp>
